--- a/Slides/Lecture07.pptx
+++ b/Slides/Lecture07.pptx
@@ -18,10 +18,11 @@
     <p:sldId id="269" r:id="rId12"/>
     <p:sldId id="270" r:id="rId13"/>
     <p:sldId id="274" r:id="rId14"/>
-    <p:sldId id="273" r:id="rId15"/>
-    <p:sldId id="271" r:id="rId16"/>
-    <p:sldId id="272" r:id="rId17"/>
-    <p:sldId id="259" r:id="rId18"/>
+    <p:sldId id="275" r:id="rId15"/>
+    <p:sldId id="273" r:id="rId16"/>
+    <p:sldId id="271" r:id="rId17"/>
+    <p:sldId id="272" r:id="rId18"/>
+    <p:sldId id="259" r:id="rId19"/>
   </p:sldIdLst>
   <p:sldSz cx="12192000" cy="6858000"/>
   <p:notesSz cx="6858000" cy="9144000"/>
@@ -259,7 +260,7 @@
           <a:p>
             <a:fld id="{BEAF3131-2AB6-4B60-9FCF-7135CEFCF1B1}" type="datetimeFigureOut">
               <a:rPr lang="en-US" smtClean="0"/>
-              <a:t>4/20/2022</a:t>
+              <a:t>4/21/2022</a:t>
             </a:fld>
             <a:endParaRPr lang="en-US"/>
           </a:p>
@@ -429,7 +430,7 @@
           <a:p>
             <a:fld id="{BEAF3131-2AB6-4B60-9FCF-7135CEFCF1B1}" type="datetimeFigureOut">
               <a:rPr lang="en-US" smtClean="0"/>
-              <a:t>4/20/2022</a:t>
+              <a:t>4/21/2022</a:t>
             </a:fld>
             <a:endParaRPr lang="en-US"/>
           </a:p>
@@ -609,7 +610,7 @@
           <a:p>
             <a:fld id="{BEAF3131-2AB6-4B60-9FCF-7135CEFCF1B1}" type="datetimeFigureOut">
               <a:rPr lang="en-US" smtClean="0"/>
-              <a:t>4/20/2022</a:t>
+              <a:t>4/21/2022</a:t>
             </a:fld>
             <a:endParaRPr lang="en-US"/>
           </a:p>
@@ -779,7 +780,7 @@
           <a:p>
             <a:fld id="{BEAF3131-2AB6-4B60-9FCF-7135CEFCF1B1}" type="datetimeFigureOut">
               <a:rPr lang="en-US" smtClean="0"/>
-              <a:t>4/20/2022</a:t>
+              <a:t>4/21/2022</a:t>
             </a:fld>
             <a:endParaRPr lang="en-US"/>
           </a:p>
@@ -1025,7 +1026,7 @@
           <a:p>
             <a:fld id="{BEAF3131-2AB6-4B60-9FCF-7135CEFCF1B1}" type="datetimeFigureOut">
               <a:rPr lang="en-US" smtClean="0"/>
-              <a:t>4/20/2022</a:t>
+              <a:t>4/21/2022</a:t>
             </a:fld>
             <a:endParaRPr lang="en-US"/>
           </a:p>
@@ -1257,7 +1258,7 @@
           <a:p>
             <a:fld id="{BEAF3131-2AB6-4B60-9FCF-7135CEFCF1B1}" type="datetimeFigureOut">
               <a:rPr lang="en-US" smtClean="0"/>
-              <a:t>4/20/2022</a:t>
+              <a:t>4/21/2022</a:t>
             </a:fld>
             <a:endParaRPr lang="en-US"/>
           </a:p>
@@ -1624,7 +1625,7 @@
           <a:p>
             <a:fld id="{BEAF3131-2AB6-4B60-9FCF-7135CEFCF1B1}" type="datetimeFigureOut">
               <a:rPr lang="en-US" smtClean="0"/>
-              <a:t>4/20/2022</a:t>
+              <a:t>4/21/2022</a:t>
             </a:fld>
             <a:endParaRPr lang="en-US"/>
           </a:p>
@@ -1742,7 +1743,7 @@
           <a:p>
             <a:fld id="{BEAF3131-2AB6-4B60-9FCF-7135CEFCF1B1}" type="datetimeFigureOut">
               <a:rPr lang="en-US" smtClean="0"/>
-              <a:t>4/20/2022</a:t>
+              <a:t>4/21/2022</a:t>
             </a:fld>
             <a:endParaRPr lang="en-US"/>
           </a:p>
@@ -1837,7 +1838,7 @@
           <a:p>
             <a:fld id="{BEAF3131-2AB6-4B60-9FCF-7135CEFCF1B1}" type="datetimeFigureOut">
               <a:rPr lang="en-US" smtClean="0"/>
-              <a:t>4/20/2022</a:t>
+              <a:t>4/21/2022</a:t>
             </a:fld>
             <a:endParaRPr lang="en-US"/>
           </a:p>
@@ -2114,7 +2115,7 @@
           <a:p>
             <a:fld id="{BEAF3131-2AB6-4B60-9FCF-7135CEFCF1B1}" type="datetimeFigureOut">
               <a:rPr lang="en-US" smtClean="0"/>
-              <a:t>4/20/2022</a:t>
+              <a:t>4/21/2022</a:t>
             </a:fld>
             <a:endParaRPr lang="en-US"/>
           </a:p>
@@ -2367,7 +2368,7 @@
           <a:p>
             <a:fld id="{BEAF3131-2AB6-4B60-9FCF-7135CEFCF1B1}" type="datetimeFigureOut">
               <a:rPr lang="en-US" smtClean="0"/>
-              <a:t>4/20/2022</a:t>
+              <a:t>4/21/2022</a:t>
             </a:fld>
             <a:endParaRPr lang="en-US"/>
           </a:p>
@@ -2580,7 +2581,7 @@
           <a:p>
             <a:fld id="{BEAF3131-2AB6-4B60-9FCF-7135CEFCF1B1}" type="datetimeFigureOut">
               <a:rPr lang="en-US" smtClean="0"/>
-              <a:t>4/20/2022</a:t>
+              <a:t>4/21/2022</a:t>
             </a:fld>
             <a:endParaRPr lang="en-US"/>
           </a:p>
@@ -3402,11 +3403,6 @@
               </a:rPr>
               <a:t> install @react-navigation/bottom-tabs</a:t>
             </a:r>
-            <a:endParaRPr lang="en-GB" dirty="0">
-              <a:solidFill>
-                <a:schemeClr val="accent2"/>
-              </a:solidFill>
-            </a:endParaRPr>
           </a:p>
         </p:txBody>
       </p:sp>
@@ -3500,68 +3496,180 @@
         <p:spPr/>
         <p:txBody>
           <a:bodyPr>
-            <a:normAutofit/>
+            <a:normAutofit lnSpcReduction="10000"/>
           </a:bodyPr>
           <a:lstStyle/>
           <a:p>
             <a:r>
+              <a:rPr lang="en-US" dirty="0" smtClean="0"/>
+              <a:t>Options:</a:t>
+            </a:r>
+          </a:p>
+          <a:p>
+            <a:pPr lvl="1"/>
+            <a:r>
               <a:rPr lang="en-GB" dirty="0"/>
-              <a:t>Possibly the most common style of navigation in mobile apps is tab-based </a:t>
+              <a:t>These can be specified under </a:t>
+            </a:r>
+            <a:r>
+              <a:rPr lang="en-GB" dirty="0" err="1"/>
+              <a:t>screenOptions</a:t>
+            </a:r>
+            <a:r>
+              <a:rPr lang="en-GB" dirty="0"/>
+              <a:t> prop of </a:t>
+            </a:r>
+            <a:r>
+              <a:rPr lang="en-GB" dirty="0" err="1"/>
+              <a:t>Tab.navigator</a:t>
+            </a:r>
+            <a:r>
+              <a:rPr lang="en-GB" dirty="0"/>
+              <a:t> or options prop of </a:t>
+            </a:r>
+            <a:r>
+              <a:rPr lang="en-GB" dirty="0" err="1" smtClean="0"/>
+              <a:t>Tab.Screen</a:t>
+            </a:r>
+            <a:endParaRPr lang="en-GB" dirty="0" smtClean="0"/>
+          </a:p>
+          <a:p>
+            <a:pPr lvl="1"/>
+            <a:r>
+              <a:rPr lang="en-GB" b="1" dirty="0" err="1"/>
+              <a:t>Title:</a:t>
+            </a:r>
+            <a:r>
+              <a:rPr lang="en-GB" dirty="0" err="1"/>
+              <a:t>Generic</a:t>
+            </a:r>
+            <a:r>
+              <a:rPr lang="en-GB" dirty="0"/>
+              <a:t> title that can be used as a </a:t>
+            </a:r>
+            <a:r>
+              <a:rPr lang="en-GB" dirty="0" err="1"/>
+              <a:t>fallback</a:t>
+            </a:r>
+            <a:r>
+              <a:rPr lang="en-GB" dirty="0"/>
+              <a:t> for </a:t>
+            </a:r>
+            <a:r>
+              <a:rPr lang="en-GB" dirty="0" err="1"/>
+              <a:t>headerTitle</a:t>
+            </a:r>
+            <a:r>
+              <a:rPr lang="en-GB" dirty="0"/>
+              <a:t> and </a:t>
+            </a:r>
+            <a:r>
+              <a:rPr lang="en-GB" dirty="0" err="1"/>
+              <a:t>tabBarLabel</a:t>
+            </a:r>
+            <a:r>
+              <a:rPr lang="en-GB" dirty="0"/>
+              <a:t>.</a:t>
+            </a:r>
+            <a:endParaRPr lang="en-GB" dirty="0" smtClean="0"/>
+          </a:p>
+          <a:p>
+            <a:pPr lvl="1"/>
+            <a:r>
+              <a:rPr lang="en-GB" b="1" dirty="0" err="1"/>
+              <a:t>tabBarLabel:</a:t>
+            </a:r>
+            <a:r>
+              <a:rPr lang="en-GB" dirty="0" err="1"/>
+              <a:t>Title</a:t>
+            </a:r>
+            <a:r>
+              <a:rPr lang="en-GB" dirty="0"/>
+              <a:t> string of a tab displayed in the tab bar or a function that given { focused: </a:t>
+            </a:r>
+            <a:r>
+              <a:rPr lang="en-GB" dirty="0" err="1"/>
+              <a:t>boolean</a:t>
+            </a:r>
+            <a:r>
+              <a:rPr lang="en-GB" dirty="0"/>
+              <a:t>, </a:t>
+            </a:r>
+            <a:r>
+              <a:rPr lang="en-GB" dirty="0" err="1"/>
+              <a:t>color</a:t>
+            </a:r>
+            <a:r>
+              <a:rPr lang="en-GB" dirty="0"/>
+              <a:t>: string } returns a </a:t>
+            </a:r>
+            <a:r>
+              <a:rPr lang="en-GB" dirty="0" err="1"/>
+              <a:t>React.Node</a:t>
+            </a:r>
+            <a:r>
+              <a:rPr lang="en-GB" dirty="0"/>
+              <a:t>, to display in tab bar. When undefined, scene title is used</a:t>
             </a:r>
             <a:r>
               <a:rPr lang="en-GB" dirty="0" smtClean="0"/>
-              <a:t>navigation</a:t>
-            </a:r>
-          </a:p>
-          <a:p>
-            <a:r>
-              <a:rPr lang="en-GB" dirty="0" err="1">
-                <a:solidFill>
-                  <a:schemeClr val="accent2"/>
-                </a:solidFill>
-              </a:rPr>
-              <a:t>npm</a:t>
-            </a:r>
-            <a:r>
-              <a:rPr lang="en-GB" dirty="0">
-                <a:solidFill>
-                  <a:schemeClr val="accent2"/>
-                </a:solidFill>
-              </a:rPr>
-              <a:t> install @react-navigation/bottom-tabs</a:t>
-            </a:r>
-            <a:endParaRPr lang="en-GB" dirty="0">
-              <a:solidFill>
-                <a:schemeClr val="accent2"/>
-              </a:solidFill>
-            </a:endParaRPr>
-          </a:p>
-        </p:txBody>
-      </p:sp>
-      <p:pic>
-        <p:nvPicPr>
-          <p:cNvPr id="5" name="Picture 4"/>
-          <p:cNvPicPr>
-            <a:picLocks noChangeAspect="1"/>
-          </p:cNvPicPr>
-          <p:nvPr/>
-        </p:nvPicPr>
-        <p:blipFill>
-          <a:blip r:embed="rId2"/>
-          <a:stretch>
-            <a:fillRect/>
-          </a:stretch>
-        </p:blipFill>
-        <p:spPr>
-          <a:xfrm>
-            <a:off x="4524860" y="3306633"/>
-            <a:ext cx="7210425" cy="3305175"/>
-          </a:xfrm>
-          <a:prstGeom prst="rect">
-            <a:avLst/>
-          </a:prstGeom>
-        </p:spPr>
-      </p:pic>
+              <a:t>.</a:t>
+            </a:r>
+          </a:p>
+          <a:p>
+            <a:pPr lvl="1"/>
+            <a:r>
+              <a:rPr lang="en-GB" b="1" dirty="0" err="1" smtClean="0"/>
+              <a:t>tabBarShowLabel</a:t>
+            </a:r>
+            <a:r>
+              <a:rPr lang="en-GB" b="1" dirty="0" smtClean="0"/>
+              <a:t>​:</a:t>
+            </a:r>
+            <a:r>
+              <a:rPr lang="en-GB" dirty="0" smtClean="0"/>
+              <a:t>Whether the tab label should be visible. Defaults to true.</a:t>
+            </a:r>
+          </a:p>
+          <a:p>
+            <a:pPr lvl="1"/>
+            <a:r>
+              <a:rPr lang="en-GB" b="1" dirty="0" err="1" smtClean="0"/>
+              <a:t>tabBarLabelPosition</a:t>
+            </a:r>
+            <a:r>
+              <a:rPr lang="en-GB" b="1" dirty="0"/>
+              <a:t>:</a:t>
+            </a:r>
+            <a:r>
+              <a:rPr lang="en-GB" dirty="0"/>
+              <a:t> Whether the label is shown below the icon or beside the icon</a:t>
+            </a:r>
+            <a:r>
+              <a:rPr lang="en-GB" dirty="0" smtClean="0"/>
+              <a:t>. </a:t>
+            </a:r>
+          </a:p>
+          <a:p>
+            <a:pPr lvl="2"/>
+            <a:r>
+              <a:rPr lang="en-GB" dirty="0" smtClean="0"/>
+              <a:t>Below-icon</a:t>
+            </a:r>
+          </a:p>
+          <a:p>
+            <a:pPr lvl="2"/>
+            <a:r>
+              <a:rPr lang="en-GB" dirty="0" smtClean="0"/>
+              <a:t>Beside-icon</a:t>
+            </a:r>
+          </a:p>
+          <a:p>
+            <a:pPr lvl="1"/>
+            <a:endParaRPr lang="en-US" dirty="0"/>
+          </a:p>
+        </p:txBody>
+      </p:sp>
     </p:spTree>
     <p:extLst>
       <p:ext uri="{BB962C8B-B14F-4D97-AF65-F5344CB8AC3E}">
@@ -3609,7 +3717,7 @@
           <a:p>
             <a:r>
               <a:rPr lang="en-US" b="1" dirty="0" smtClean="0"/>
-              <a:t>Drawer Navigation</a:t>
+              <a:t>Tab Navigation</a:t>
             </a:r>
             <a:endParaRPr lang="en-US" b="1" dirty="0"/>
           </a:p>
@@ -3633,6 +3741,185 @@
           <a:lstStyle/>
           <a:p>
             <a:r>
+              <a:rPr lang="en-US" dirty="0" smtClean="0"/>
+              <a:t>Options:</a:t>
+            </a:r>
+          </a:p>
+          <a:p>
+            <a:pPr lvl="1"/>
+            <a:r>
+              <a:rPr lang="en-US" b="1" dirty="0" err="1" smtClean="0"/>
+              <a:t>tabBarLabelStyle</a:t>
+            </a:r>
+            <a:r>
+              <a:rPr lang="en-US" dirty="0" smtClean="0"/>
+              <a:t>: </a:t>
+            </a:r>
+            <a:r>
+              <a:rPr lang="en-GB" dirty="0"/>
+              <a:t>Style object for the tab label</a:t>
+            </a:r>
+            <a:r>
+              <a:rPr lang="en-GB" dirty="0" smtClean="0"/>
+              <a:t>.</a:t>
+            </a:r>
+            <a:endParaRPr lang="en-US" dirty="0"/>
+          </a:p>
+          <a:p>
+            <a:pPr lvl="1"/>
+            <a:r>
+              <a:rPr lang="en-US" b="1" dirty="0" err="1" smtClean="0"/>
+              <a:t>tabBarIcon</a:t>
+            </a:r>
+            <a:r>
+              <a:rPr lang="en-US" b="1" dirty="0" smtClean="0"/>
+              <a:t>: </a:t>
+            </a:r>
+            <a:r>
+              <a:rPr lang="en-GB" dirty="0"/>
+              <a:t>Function that given { focused: </a:t>
+            </a:r>
+            <a:r>
+              <a:rPr lang="en-GB" dirty="0" err="1"/>
+              <a:t>boolean</a:t>
+            </a:r>
+            <a:r>
+              <a:rPr lang="en-GB" dirty="0"/>
+              <a:t>, </a:t>
+            </a:r>
+            <a:r>
+              <a:rPr lang="en-GB" dirty="0" err="1"/>
+              <a:t>color</a:t>
+            </a:r>
+            <a:r>
+              <a:rPr lang="en-GB" dirty="0"/>
+              <a:t>: string, size: number } returns a </a:t>
+            </a:r>
+            <a:r>
+              <a:rPr lang="en-GB" dirty="0" err="1"/>
+              <a:t>React.Node</a:t>
+            </a:r>
+            <a:r>
+              <a:rPr lang="en-GB" dirty="0"/>
+              <a:t>, to display in the tab bar</a:t>
+            </a:r>
+            <a:r>
+              <a:rPr lang="en-GB" dirty="0" smtClean="0"/>
+              <a:t>.</a:t>
+            </a:r>
+          </a:p>
+          <a:p>
+            <a:pPr lvl="1"/>
+            <a:r>
+              <a:rPr lang="en-GB" b="1" dirty="0" err="1" smtClean="0"/>
+              <a:t>tabBarBadge</a:t>
+            </a:r>
+            <a:r>
+              <a:rPr lang="en-GB" b="1" dirty="0"/>
+              <a:t>: </a:t>
+            </a:r>
+            <a:r>
+              <a:rPr lang="en-GB" dirty="0"/>
+              <a:t>Text to show in a badge on the tab icon. Accepts a string or a number.</a:t>
+            </a:r>
+            <a:endParaRPr lang="en-GB" dirty="0" smtClean="0"/>
+          </a:p>
+          <a:p>
+            <a:pPr lvl="1"/>
+            <a:r>
+              <a:rPr lang="en-US" b="1" dirty="0" err="1" smtClean="0"/>
+              <a:t>tabBarBadgeStyle</a:t>
+            </a:r>
+            <a:r>
+              <a:rPr lang="en-US" b="1" dirty="0" smtClean="0"/>
+              <a:t>: </a:t>
+            </a:r>
+            <a:r>
+              <a:rPr lang="en-GB" dirty="0"/>
+              <a:t>Style for the badge on the tab icon</a:t>
+            </a:r>
+            <a:r>
+              <a:rPr lang="en-GB" dirty="0" smtClean="0"/>
+              <a:t>.</a:t>
+            </a:r>
+          </a:p>
+          <a:p>
+            <a:pPr lvl="1"/>
+            <a:endParaRPr lang="en-US" b="1" dirty="0"/>
+          </a:p>
+        </p:txBody>
+      </p:sp>
+    </p:spTree>
+    <p:extLst>
+      <p:ext uri="{BB962C8B-B14F-4D97-AF65-F5344CB8AC3E}">
+        <p14:creationId xmlns:p14="http://schemas.microsoft.com/office/powerpoint/2010/main" val="571558597"/>
+      </p:ext>
+    </p:extLst>
+  </p:cSld>
+  <p:clrMapOvr>
+    <a:masterClrMapping/>
+  </p:clrMapOvr>
+</p:sld>
+</file>
+
+<file path=ppt/slides/slide15.xml><?xml version="1.0" encoding="utf-8"?>
+<p:sld xmlns:a="http://schemas.openxmlformats.org/drawingml/2006/main" xmlns:r="http://schemas.openxmlformats.org/officeDocument/2006/relationships" xmlns:p="http://schemas.openxmlformats.org/presentationml/2006/main">
+  <p:cSld>
+    <p:spTree>
+      <p:nvGrpSpPr>
+        <p:cNvPr id="1" name=""/>
+        <p:cNvGrpSpPr/>
+        <p:nvPr/>
+      </p:nvGrpSpPr>
+      <p:grpSpPr>
+        <a:xfrm>
+          <a:off x="0" y="0"/>
+          <a:ext cx="0" cy="0"/>
+          <a:chOff x="0" y="0"/>
+          <a:chExt cx="0" cy="0"/>
+        </a:xfrm>
+      </p:grpSpPr>
+      <p:sp>
+        <p:nvSpPr>
+          <p:cNvPr id="2" name="Title 1"/>
+          <p:cNvSpPr>
+            <a:spLocks noGrp="1"/>
+          </p:cNvSpPr>
+          <p:nvPr>
+            <p:ph type="title"/>
+          </p:nvPr>
+        </p:nvSpPr>
+        <p:spPr/>
+        <p:txBody>
+          <a:bodyPr/>
+          <a:lstStyle/>
+          <a:p>
+            <a:r>
+              <a:rPr lang="en-US" b="1" dirty="0" smtClean="0"/>
+              <a:t>Drawer Navigation</a:t>
+            </a:r>
+            <a:endParaRPr lang="en-US" b="1" dirty="0"/>
+          </a:p>
+        </p:txBody>
+      </p:sp>
+      <p:sp>
+        <p:nvSpPr>
+          <p:cNvPr id="3" name="Content Placeholder 2"/>
+          <p:cNvSpPr>
+            <a:spLocks noGrp="1"/>
+          </p:cNvSpPr>
+          <p:nvPr>
+            <p:ph idx="1"/>
+          </p:nvPr>
+        </p:nvSpPr>
+        <p:spPr/>
+        <p:txBody>
+          <a:bodyPr>
+            <a:normAutofit/>
+          </a:bodyPr>
+          <a:lstStyle/>
+          <a:p>
+            <a:r>
               <a:rPr lang="en-GB" dirty="0" err="1"/>
               <a:t>npm</a:t>
             </a:r>
@@ -3650,7 +3937,6 @@
               <a:rPr lang="en-GB" dirty="0"/>
               <a:t>expo install react-native-gesture-handler react-native-reanimated</a:t>
             </a:r>
-            <a:endParaRPr lang="en-GB" dirty="0"/>
           </a:p>
         </p:txBody>
       </p:sp>
@@ -3691,195 +3977,6 @@
 </p:sld>
 </file>
 
-<file path=ppt/slides/slide15.xml><?xml version="1.0" encoding="utf-8"?>
-<p:sld xmlns:a="http://schemas.openxmlformats.org/drawingml/2006/main" xmlns:r="http://schemas.openxmlformats.org/officeDocument/2006/relationships" xmlns:p="http://schemas.openxmlformats.org/presentationml/2006/main">
-  <p:cSld>
-    <p:spTree>
-      <p:nvGrpSpPr>
-        <p:cNvPr id="1" name=""/>
-        <p:cNvGrpSpPr/>
-        <p:nvPr/>
-      </p:nvGrpSpPr>
-      <p:grpSpPr>
-        <a:xfrm>
-          <a:off x="0" y="0"/>
-          <a:ext cx="0" cy="0"/>
-          <a:chOff x="0" y="0"/>
-          <a:chExt cx="0" cy="0"/>
-        </a:xfrm>
-      </p:grpSpPr>
-      <p:sp>
-        <p:nvSpPr>
-          <p:cNvPr id="2" name="Title 1"/>
-          <p:cNvSpPr>
-            <a:spLocks noGrp="1"/>
-          </p:cNvSpPr>
-          <p:nvPr>
-            <p:ph type="title"/>
-          </p:nvPr>
-        </p:nvSpPr>
-        <p:spPr/>
-        <p:txBody>
-          <a:bodyPr/>
-          <a:lstStyle/>
-          <a:p>
-            <a:r>
-              <a:rPr lang="en-US" b="1" dirty="0" smtClean="0"/>
-              <a:t>Drawer Navigation</a:t>
-            </a:r>
-            <a:endParaRPr lang="en-US" b="1" dirty="0"/>
-          </a:p>
-        </p:txBody>
-      </p:sp>
-      <p:sp>
-        <p:nvSpPr>
-          <p:cNvPr id="3" name="Content Placeholder 2"/>
-          <p:cNvSpPr>
-            <a:spLocks noGrp="1"/>
-          </p:cNvSpPr>
-          <p:nvPr>
-            <p:ph idx="1"/>
-          </p:nvPr>
-        </p:nvSpPr>
-        <p:spPr/>
-        <p:txBody>
-          <a:bodyPr>
-            <a:normAutofit/>
-          </a:bodyPr>
-          <a:lstStyle/>
-          <a:p>
-            <a:r>
-              <a:rPr lang="en-GB" dirty="0" smtClean="0"/>
-              <a:t>At very top import </a:t>
-            </a:r>
-            <a:r>
-              <a:rPr lang="en-GB" dirty="0"/>
-              <a:t>'react-native-gesture-handler</a:t>
-            </a:r>
-            <a:r>
-              <a:rPr lang="en-GB" dirty="0" smtClean="0"/>
-              <a:t>';</a:t>
-            </a:r>
-          </a:p>
-          <a:p>
-            <a:endParaRPr lang="en-GB" dirty="0"/>
-          </a:p>
-          <a:p>
-            <a:r>
-              <a:rPr lang="en-GB" dirty="0"/>
-              <a:t>To use this drawer navigator, import it from @react-navigation/drawer</a:t>
-            </a:r>
-            <a:r>
-              <a:rPr lang="en-GB" dirty="0" smtClean="0"/>
-              <a:t>:</a:t>
-            </a:r>
-          </a:p>
-          <a:p>
-            <a:r>
-              <a:rPr lang="en-GB" dirty="0"/>
-              <a:t>Props</a:t>
-            </a:r>
-            <a:r>
-              <a:rPr lang="en-GB" dirty="0" smtClean="0"/>
-              <a:t>​ (</a:t>
-            </a:r>
-            <a:r>
-              <a:rPr lang="en-GB" dirty="0" err="1"/>
-              <a:t>Drawer.Navigator</a:t>
-            </a:r>
-            <a:r>
-              <a:rPr lang="en-GB" dirty="0" smtClean="0"/>
-              <a:t>)</a:t>
-            </a:r>
-          </a:p>
-          <a:p>
-            <a:pPr lvl="1"/>
-            <a:r>
-              <a:rPr lang="en-GB" sz="2000" b="1" u="sng" dirty="0"/>
-              <a:t>Id</a:t>
-            </a:r>
-            <a:r>
-              <a:rPr lang="en-GB" b="1" u="sng" dirty="0"/>
-              <a:t>:</a:t>
-            </a:r>
-            <a:r>
-              <a:rPr lang="en-GB" dirty="0"/>
-              <a:t> </a:t>
-            </a:r>
-            <a:r>
-              <a:rPr lang="en-GB" sz="2000" dirty="0"/>
-              <a:t>Optional unique ID for the navigator. This can be used with </a:t>
-            </a:r>
-            <a:r>
-              <a:rPr lang="en-GB" sz="2000" dirty="0" err="1"/>
-              <a:t>navigation.getParent</a:t>
-            </a:r>
-            <a:r>
-              <a:rPr lang="en-GB" sz="2000" dirty="0"/>
-              <a:t> to refer to this navigator in a child navigator</a:t>
-            </a:r>
-            <a:r>
-              <a:rPr lang="en-GB" sz="2000" dirty="0" smtClean="0"/>
-              <a:t>.</a:t>
-            </a:r>
-          </a:p>
-          <a:p>
-            <a:pPr lvl="1"/>
-            <a:r>
-              <a:rPr lang="en-GB" sz="2000" b="1" u="sng" dirty="0" err="1"/>
-              <a:t>initialRouteName</a:t>
-            </a:r>
-            <a:r>
-              <a:rPr lang="en-GB" sz="2000" b="1" u="sng" dirty="0" smtClean="0"/>
-              <a:t>​: </a:t>
-            </a:r>
-            <a:r>
-              <a:rPr lang="en-GB" sz="2000" dirty="0" smtClean="0"/>
-              <a:t>The </a:t>
-            </a:r>
-            <a:r>
-              <a:rPr lang="en-GB" sz="2000" dirty="0"/>
-              <a:t>name of the route to render on first load of the navigator</a:t>
-            </a:r>
-            <a:r>
-              <a:rPr lang="en-GB" sz="2000" dirty="0" smtClean="0"/>
-              <a:t>.</a:t>
-            </a:r>
-          </a:p>
-          <a:p>
-            <a:pPr lvl="1"/>
-            <a:r>
-              <a:rPr lang="en-GB" sz="2000" b="1" dirty="0" err="1"/>
-              <a:t>screenOptions</a:t>
-            </a:r>
-            <a:r>
-              <a:rPr lang="en-GB" sz="2000" b="1" dirty="0" smtClean="0"/>
-              <a:t>​:</a:t>
-            </a:r>
-            <a:r>
-              <a:rPr lang="en-GB" sz="2000" dirty="0" smtClean="0"/>
-              <a:t>Default </a:t>
-            </a:r>
-            <a:r>
-              <a:rPr lang="en-GB" sz="2000" dirty="0"/>
-              <a:t>options to use for the screens in the navigator</a:t>
-            </a:r>
-          </a:p>
-        </p:txBody>
-      </p:sp>
-    </p:spTree>
-    <p:extLst>
-      <p:ext uri="{BB962C8B-B14F-4D97-AF65-F5344CB8AC3E}">
-        <p14:creationId xmlns:p14="http://schemas.microsoft.com/office/powerpoint/2010/main" val="3462481587"/>
-      </p:ext>
-    </p:extLst>
-  </p:cSld>
-  <p:clrMapOvr>
-    <a:masterClrMapping/>
-  </p:clrMapOvr>
-</p:sld>
-</file>
-
 <file path=ppt/slides/slide16.xml><?xml version="1.0" encoding="utf-8"?>
 <p:sld xmlns:a="http://schemas.openxmlformats.org/drawingml/2006/main" xmlns:r="http://schemas.openxmlformats.org/officeDocument/2006/relationships" xmlns:p="http://schemas.openxmlformats.org/presentationml/2006/main">
   <p:cSld>
@@ -3939,6 +4036,195 @@
           <a:p>
             <a:r>
               <a:rPr lang="en-GB" dirty="0" smtClean="0"/>
+              <a:t>At very top import </a:t>
+            </a:r>
+            <a:r>
+              <a:rPr lang="en-GB" dirty="0"/>
+              <a:t>'react-native-gesture-handler</a:t>
+            </a:r>
+            <a:r>
+              <a:rPr lang="en-GB" dirty="0" smtClean="0"/>
+              <a:t>';</a:t>
+            </a:r>
+          </a:p>
+          <a:p>
+            <a:endParaRPr lang="en-GB" dirty="0"/>
+          </a:p>
+          <a:p>
+            <a:r>
+              <a:rPr lang="en-GB" dirty="0"/>
+              <a:t>To use this drawer navigator, import it from @react-navigation/drawer</a:t>
+            </a:r>
+            <a:r>
+              <a:rPr lang="en-GB" dirty="0" smtClean="0"/>
+              <a:t>:</a:t>
+            </a:r>
+          </a:p>
+          <a:p>
+            <a:r>
+              <a:rPr lang="en-GB" dirty="0"/>
+              <a:t>Props</a:t>
+            </a:r>
+            <a:r>
+              <a:rPr lang="en-GB" dirty="0" smtClean="0"/>
+              <a:t>​ (</a:t>
+            </a:r>
+            <a:r>
+              <a:rPr lang="en-GB" dirty="0" err="1"/>
+              <a:t>Drawer.Navigator</a:t>
+            </a:r>
+            <a:r>
+              <a:rPr lang="en-GB" dirty="0" smtClean="0"/>
+              <a:t>)</a:t>
+            </a:r>
+          </a:p>
+          <a:p>
+            <a:pPr lvl="1"/>
+            <a:r>
+              <a:rPr lang="en-GB" sz="2000" b="1" u="sng" dirty="0"/>
+              <a:t>Id</a:t>
+            </a:r>
+            <a:r>
+              <a:rPr lang="en-GB" b="1" u="sng" dirty="0"/>
+              <a:t>:</a:t>
+            </a:r>
+            <a:r>
+              <a:rPr lang="en-GB" dirty="0"/>
+              <a:t> </a:t>
+            </a:r>
+            <a:r>
+              <a:rPr lang="en-GB" sz="2000" dirty="0"/>
+              <a:t>Optional unique ID for the navigator. This can be used with </a:t>
+            </a:r>
+            <a:r>
+              <a:rPr lang="en-GB" sz="2000" dirty="0" err="1"/>
+              <a:t>navigation.getParent</a:t>
+            </a:r>
+            <a:r>
+              <a:rPr lang="en-GB" sz="2000" dirty="0"/>
+              <a:t> to refer to this navigator in a child navigator</a:t>
+            </a:r>
+            <a:r>
+              <a:rPr lang="en-GB" sz="2000" dirty="0" smtClean="0"/>
+              <a:t>.</a:t>
+            </a:r>
+          </a:p>
+          <a:p>
+            <a:pPr lvl="1"/>
+            <a:r>
+              <a:rPr lang="en-GB" sz="2000" b="1" u="sng" dirty="0" err="1"/>
+              <a:t>initialRouteName</a:t>
+            </a:r>
+            <a:r>
+              <a:rPr lang="en-GB" sz="2000" b="1" u="sng" dirty="0" smtClean="0"/>
+              <a:t>​: </a:t>
+            </a:r>
+            <a:r>
+              <a:rPr lang="en-GB" sz="2000" dirty="0" smtClean="0"/>
+              <a:t>The </a:t>
+            </a:r>
+            <a:r>
+              <a:rPr lang="en-GB" sz="2000" dirty="0"/>
+              <a:t>name of the route to render on first load of the navigator</a:t>
+            </a:r>
+            <a:r>
+              <a:rPr lang="en-GB" sz="2000" dirty="0" smtClean="0"/>
+              <a:t>.</a:t>
+            </a:r>
+          </a:p>
+          <a:p>
+            <a:pPr lvl="1"/>
+            <a:r>
+              <a:rPr lang="en-GB" sz="2000" b="1" dirty="0" err="1"/>
+              <a:t>screenOptions</a:t>
+            </a:r>
+            <a:r>
+              <a:rPr lang="en-GB" sz="2000" b="1" dirty="0" smtClean="0"/>
+              <a:t>​:</a:t>
+            </a:r>
+            <a:r>
+              <a:rPr lang="en-GB" sz="2000" dirty="0" smtClean="0"/>
+              <a:t>Default </a:t>
+            </a:r>
+            <a:r>
+              <a:rPr lang="en-GB" sz="2000" dirty="0"/>
+              <a:t>options to use for the screens in the navigator</a:t>
+            </a:r>
+          </a:p>
+        </p:txBody>
+      </p:sp>
+    </p:spTree>
+    <p:extLst>
+      <p:ext uri="{BB962C8B-B14F-4D97-AF65-F5344CB8AC3E}">
+        <p14:creationId xmlns:p14="http://schemas.microsoft.com/office/powerpoint/2010/main" val="3462481587"/>
+      </p:ext>
+    </p:extLst>
+  </p:cSld>
+  <p:clrMapOvr>
+    <a:masterClrMapping/>
+  </p:clrMapOvr>
+</p:sld>
+</file>
+
+<file path=ppt/slides/slide17.xml><?xml version="1.0" encoding="utf-8"?>
+<p:sld xmlns:a="http://schemas.openxmlformats.org/drawingml/2006/main" xmlns:r="http://schemas.openxmlformats.org/officeDocument/2006/relationships" xmlns:p="http://schemas.openxmlformats.org/presentationml/2006/main">
+  <p:cSld>
+    <p:spTree>
+      <p:nvGrpSpPr>
+        <p:cNvPr id="1" name=""/>
+        <p:cNvGrpSpPr/>
+        <p:nvPr/>
+      </p:nvGrpSpPr>
+      <p:grpSpPr>
+        <a:xfrm>
+          <a:off x="0" y="0"/>
+          <a:ext cx="0" cy="0"/>
+          <a:chOff x="0" y="0"/>
+          <a:chExt cx="0" cy="0"/>
+        </a:xfrm>
+      </p:grpSpPr>
+      <p:sp>
+        <p:nvSpPr>
+          <p:cNvPr id="2" name="Title 1"/>
+          <p:cNvSpPr>
+            <a:spLocks noGrp="1"/>
+          </p:cNvSpPr>
+          <p:nvPr>
+            <p:ph type="title"/>
+          </p:nvPr>
+        </p:nvSpPr>
+        <p:spPr/>
+        <p:txBody>
+          <a:bodyPr/>
+          <a:lstStyle/>
+          <a:p>
+            <a:r>
+              <a:rPr lang="en-US" b="1" dirty="0" smtClean="0"/>
+              <a:t>Drawer Navigation</a:t>
+            </a:r>
+            <a:endParaRPr lang="en-US" b="1" dirty="0"/>
+          </a:p>
+        </p:txBody>
+      </p:sp>
+      <p:sp>
+        <p:nvSpPr>
+          <p:cNvPr id="3" name="Content Placeholder 2"/>
+          <p:cNvSpPr>
+            <a:spLocks noGrp="1"/>
+          </p:cNvSpPr>
+          <p:nvPr>
+            <p:ph idx="1"/>
+          </p:nvPr>
+        </p:nvSpPr>
+        <p:spPr/>
+        <p:txBody>
+          <a:bodyPr>
+            <a:normAutofit/>
+          </a:bodyPr>
+          <a:lstStyle/>
+          <a:p>
+            <a:r>
+              <a:rPr lang="en-GB" dirty="0" smtClean="0"/>
               <a:t>Props​ (</a:t>
             </a:r>
             <a:r>
@@ -4008,7 +4294,7 @@
 </p:sld>
 </file>
 
-<file path=ppt/slides/slide17.xml><?xml version="1.0" encoding="utf-8"?>
+<file path=ppt/slides/slide18.xml><?xml version="1.0" encoding="utf-8"?>
 <p:sld xmlns:a="http://schemas.openxmlformats.org/drawingml/2006/main" xmlns:r="http://schemas.openxmlformats.org/officeDocument/2006/relationships" xmlns:p="http://schemas.openxmlformats.org/presentationml/2006/main">
   <p:cSld>
     <p:spTree>
